--- a/etc/MJ/딥러닝_영화포스터 이미지 인식.pptx
+++ b/etc/MJ/딥러닝_영화포스터 이미지 인식.pptx
@@ -1,32 +1,31 @@
 
 <file path=ppt/presentation.xml><?xml version="1.0" encoding="utf-8"?>
-<p:presentation xmlns:a="http://schemas.openxmlformats.org/drawingml/2006/main" xmlns:r="http://schemas.openxmlformats.org/officeDocument/2006/relationships" xmlns:p="http://schemas.openxmlformats.org/presentationml/2006/main" saveSubsetFonts="1">
+<p:presentation xmlns:r="http://schemas.openxmlformats.org/officeDocument/2006/relationships" xmlns:c="http://schemas.openxmlformats.org/drawingml/2006/chart" xmlns:a="http://schemas.openxmlformats.org/drawingml/2006/main" xmlns:dgm="http://schemas.openxmlformats.org/drawingml/2006/diagram" xmlns:dsp="http://schemas.microsoft.com/office/drawing/2008/diagram" xmlns:p="http://schemas.openxmlformats.org/presentationml/2006/main">
   <p:sldMasterIdLst>
-    <p:sldMasterId id="2147483661" r:id="rId1"/>
-    <p:sldMasterId id="2147483658" r:id="rId2"/>
+    <p:sldMasterId id="2147483681" r:id="rId1"/>
   </p:sldMasterIdLst>
   <p:notesMasterIdLst>
-    <p:notesMasterId r:id="rId18"/>
+    <p:notesMasterId r:id="rId2"/>
   </p:notesMasterIdLst>
   <p:handoutMasterIdLst>
-    <p:handoutMasterId r:id="rId19"/>
+    <p:handoutMasterId r:id="rId3"/>
   </p:handoutMasterIdLst>
   <p:sldIdLst>
-    <p:sldId id="258" r:id="rId3"/>
-    <p:sldId id="295" r:id="rId4"/>
-    <p:sldId id="296" r:id="rId5"/>
-    <p:sldId id="307" r:id="rId6"/>
-    <p:sldId id="306" r:id="rId7"/>
-    <p:sldId id="308" r:id="rId8"/>
-    <p:sldId id="297" r:id="rId9"/>
-    <p:sldId id="299" r:id="rId10"/>
-    <p:sldId id="300" r:id="rId11"/>
-    <p:sldId id="298" r:id="rId12"/>
-    <p:sldId id="309" r:id="rId13"/>
-    <p:sldId id="302" r:id="rId14"/>
-    <p:sldId id="303" r:id="rId15"/>
-    <p:sldId id="304" r:id="rId16"/>
-    <p:sldId id="305" r:id="rId17"/>
+    <p:sldId id="256" r:id="rId4"/>
+    <p:sldId id="257" r:id="rId5"/>
+    <p:sldId id="258" r:id="rId6"/>
+    <p:sldId id="259" r:id="rId7"/>
+    <p:sldId id="260" r:id="rId8"/>
+    <p:sldId id="261" r:id="rId9"/>
+    <p:sldId id="262" r:id="rId10"/>
+    <p:sldId id="263" r:id="rId11"/>
+    <p:sldId id="264" r:id="rId12"/>
+    <p:sldId id="265" r:id="rId13"/>
+    <p:sldId id="266" r:id="rId14"/>
+    <p:sldId id="267" r:id="rId15"/>
+    <p:sldId id="268" r:id="rId16"/>
+    <p:sldId id="269" r:id="rId17"/>
+    <p:sldId id="270" r:id="rId18"/>
   </p:sldIdLst>
   <p:sldSz cx="9144000" cy="5143500" type="screen16x9"/>
   <p:notesSz cx="6858000" cy="9144000"/>
@@ -125,41 +124,11 @@
       </a:defRPr>
     </a:lvl9pPr>
   </p:defaultTextStyle>
-  <p:extLst>
-    <p:ext uri="{EFAFB233-063F-42B5-8137-9DF3F51BA10A}">
-      <p15:sldGuideLst xmlns:p15="http://schemas.microsoft.com/office/powerpoint/2012/main" xmlns="">
-        <p15:guide id="1" orient="horz" pos="1801">
-          <p15:clr>
-            <a:srgbClr val="A4A3A4"/>
-          </p15:clr>
-        </p15:guide>
-        <p15:guide id="2" pos="2880">
-          <p15:clr>
-            <a:srgbClr val="A4A3A4"/>
-          </p15:clr>
-        </p15:guide>
-      </p15:sldGuideLst>
-    </p:ext>
-    <p:ext uri="{2D200454-40CA-4A62-9FC3-DE9A4176ACB9}">
-      <p15:notesGuideLst xmlns:p15="http://schemas.microsoft.com/office/powerpoint/2012/main" xmlns="">
-        <p15:guide id="1" orient="horz" pos="2880">
-          <p15:clr>
-            <a:srgbClr val="A4A3A4"/>
-          </p15:clr>
-        </p15:guide>
-        <p15:guide id="2" pos="2160">
-          <p15:clr>
-            <a:srgbClr val="A4A3A4"/>
-          </p15:clr>
-        </p15:guide>
-      </p15:notesGuideLst>
-    </p:ext>
-  </p:extLst>
 </p:presentation>
 </file>
 
 <file path=ppt/handoutMasters/handoutMaster1.xml><?xml version="1.0" encoding="utf-8"?>
-<p:handoutMaster xmlns:a="http://schemas.openxmlformats.org/drawingml/2006/main" xmlns:r="http://schemas.openxmlformats.org/officeDocument/2006/relationships" xmlns:p="http://schemas.openxmlformats.org/presentationml/2006/main">
+<p:handoutMaster xmlns:r="http://schemas.openxmlformats.org/officeDocument/2006/relationships" xmlns:c="http://schemas.openxmlformats.org/drawingml/2006/chart" xmlns:a="http://schemas.openxmlformats.org/drawingml/2006/main" xmlns:dgm="http://schemas.openxmlformats.org/drawingml/2006/diagram" xmlns:dsp="http://schemas.microsoft.com/office/drawing/2008/diagram" xmlns:p="http://schemas.openxmlformats.org/presentationml/2006/main">
   <p:cSld>
     <p:bg>
       <p:bgRef idx="1001">
@@ -187,7 +156,7 @@
             <a:spLocks noGrp="1"/>
           </p:cNvSpPr>
           <p:nvPr>
-            <p:ph type="hdr" sz="quarter"/>
+            <p:ph type="hdr" sz="quarter" idx="0"/>
           </p:nvPr>
         </p:nvSpPr>
         <p:spPr>
@@ -200,13 +169,20 @@
           </a:prstGeom>
         </p:spPr>
         <p:txBody>
-          <a:bodyPr vert="horz" lIns="91440" tIns="45720" rIns="91440" bIns="45720" rtlCol="0"/>
+          <a:bodyPr vert="horz" lIns="91440" tIns="45720" rIns="91440" bIns="45720"/>
           <a:lstStyle>
             <a:lvl1pPr algn="l">
               <a:defRPr sz="1200"/>
             </a:lvl1pPr>
           </a:lstStyle>
           <a:p>
+            <a:pPr lvl="0">
+              <a:defRPr/>
+            </a:pPr>
+            <a:r>
+              <a:rPr lang="ko-KR" altLang="en-US"/>
+              <a:t/>
+            </a:r>
             <a:endParaRPr lang="ko-KR" altLang="en-US"/>
           </a:p>
         </p:txBody>
@@ -231,16 +207,22 @@
           </a:prstGeom>
         </p:spPr>
         <p:txBody>
-          <a:bodyPr vert="horz" lIns="91440" tIns="45720" rIns="91440" bIns="45720" rtlCol="0"/>
+          <a:bodyPr vert="horz" lIns="91440" tIns="45720" rIns="91440" bIns="45720"/>
           <a:lstStyle>
             <a:lvl1pPr algn="r">
               <a:defRPr sz="1200"/>
             </a:lvl1pPr>
           </a:lstStyle>
           <a:p>
-            <a:fld id="{40387649-87BE-48A6-AB38-3A28AD0FAB86}" type="datetimeFigureOut">
-              <a:rPr lang="ko-KR" altLang="en-US" smtClean="0"/>
-              <a:t>2018-04-17</a:t>
+            <a:pPr lvl="0">
+              <a:defRPr/>
+            </a:pPr>
+            <a:fld id="{40387649-87BE-48A6-AB38-3A28AD0FAB86}" type="datetime1">
+              <a:rPr lang="ko-KR" altLang="en-US"/>
+              <a:pPr lvl="0">
+                <a:defRPr/>
+              </a:pPr>
+              <a:t>2018-05-04</a:t>
             </a:fld>
             <a:endParaRPr lang="ko-KR" altLang="en-US"/>
           </a:p>
@@ -266,13 +248,20 @@
           </a:prstGeom>
         </p:spPr>
         <p:txBody>
-          <a:bodyPr vert="horz" lIns="91440" tIns="45720" rIns="91440" bIns="45720" rtlCol="0" anchor="b"/>
+          <a:bodyPr vert="horz" lIns="91440" tIns="45720" rIns="91440" bIns="45720" anchor="b"/>
           <a:lstStyle>
             <a:lvl1pPr algn="l">
               <a:defRPr sz="1200"/>
             </a:lvl1pPr>
           </a:lstStyle>
           <a:p>
+            <a:pPr lvl="0">
+              <a:defRPr/>
+            </a:pPr>
+            <a:r>
+              <a:rPr lang="ko-KR" altLang="en-US"/>
+              <a:t/>
+            </a:r>
             <a:endParaRPr lang="ko-KR" altLang="en-US"/>
           </a:p>
         </p:txBody>
@@ -297,15 +286,21 @@
           </a:prstGeom>
         </p:spPr>
         <p:txBody>
-          <a:bodyPr vert="horz" lIns="91440" tIns="45720" rIns="91440" bIns="45720" rtlCol="0" anchor="b"/>
+          <a:bodyPr vert="horz" lIns="91440" tIns="45720" rIns="91440" bIns="45720" anchor="b"/>
           <a:lstStyle>
             <a:lvl1pPr algn="r">
               <a:defRPr sz="1200"/>
             </a:lvl1pPr>
           </a:lstStyle>
           <a:p>
+            <a:pPr lvl="0">
+              <a:defRPr/>
+            </a:pPr>
             <a:fld id="{04DE6650-FA3D-4205-A4D4-AA0375A1773D}" type="slidenum">
-              <a:rPr lang="ko-KR" altLang="en-US" smtClean="0"/>
+              <a:rPr lang="ko-KR" altLang="en-US"/>
+              <a:pPr lvl="0">
+                <a:defRPr/>
+              </a:pPr>
               <a:t>‹#›</a:t>
             </a:fld>
             <a:endParaRPr lang="ko-KR" altLang="en-US"/>
@@ -313,18 +308,13 @@
         </p:txBody>
       </p:sp>
     </p:spTree>
-    <p:extLst>
-      <p:ext uri="{BB962C8B-B14F-4D97-AF65-F5344CB8AC3E}">
-        <p14:creationId xmlns:p14="http://schemas.microsoft.com/office/powerpoint/2010/main" val="2929115107"/>
-      </p:ext>
-    </p:extLst>
   </p:cSld>
   <p:clrMap bg1="lt1" tx1="dk1" bg2="lt2" tx2="dk2" accent1="accent1" accent2="accent2" accent3="accent3" accent4="accent4" accent5="accent5" accent6="accent6" hlink="hlink" folHlink="folHlink"/>
 </p:handoutMaster>
 </file>
 
 <file path=ppt/notesMasters/notesMaster1.xml><?xml version="1.0" encoding="utf-8"?>
-<p:notesMaster xmlns:a="http://schemas.openxmlformats.org/drawingml/2006/main" xmlns:r="http://schemas.openxmlformats.org/officeDocument/2006/relationships" xmlns:p="http://schemas.openxmlformats.org/presentationml/2006/main">
+<p:notesMaster xmlns:r="http://schemas.openxmlformats.org/officeDocument/2006/relationships" xmlns:c="http://schemas.openxmlformats.org/drawingml/2006/chart" xmlns:a="http://schemas.openxmlformats.org/drawingml/2006/main" xmlns:dgm="http://schemas.openxmlformats.org/drawingml/2006/diagram" xmlns:dsp="http://schemas.microsoft.com/office/drawing/2008/diagram" xmlns:p="http://schemas.openxmlformats.org/presentationml/2006/main">
   <p:cSld>
     <p:bg>
       <p:bgRef idx="1001">
@@ -352,7 +342,7 @@
             <a:spLocks noGrp="1"/>
           </p:cNvSpPr>
           <p:nvPr>
-            <p:ph type="hdr" sz="quarter"/>
+            <p:ph type="hdr" sz="quarter" idx="0"/>
           </p:nvPr>
         </p:nvSpPr>
         <p:spPr>
@@ -365,13 +355,20 @@
           </a:prstGeom>
         </p:spPr>
         <p:txBody>
-          <a:bodyPr vert="horz" lIns="91440" tIns="45720" rIns="91440" bIns="45720" rtlCol="0"/>
+          <a:bodyPr vert="horz" lIns="91440" tIns="45720" rIns="91440" bIns="45720"/>
           <a:lstStyle>
             <a:lvl1pPr algn="l">
               <a:defRPr sz="1200"/>
             </a:lvl1pPr>
           </a:lstStyle>
           <a:p>
+            <a:pPr lvl="0">
+              <a:defRPr/>
+            </a:pPr>
+            <a:r>
+              <a:rPr lang="ko-KR" altLang="en-US"/>
+              <a:t/>
+            </a:r>
             <a:endParaRPr lang="ko-KR" altLang="en-US"/>
           </a:p>
         </p:txBody>
@@ -396,16 +393,22 @@
           </a:prstGeom>
         </p:spPr>
         <p:txBody>
-          <a:bodyPr vert="horz" lIns="91440" tIns="45720" rIns="91440" bIns="45720" rtlCol="0"/>
+          <a:bodyPr vert="horz" lIns="91440" tIns="45720" rIns="91440" bIns="45720"/>
           <a:lstStyle>
             <a:lvl1pPr algn="r">
               <a:defRPr sz="1200"/>
             </a:lvl1pPr>
           </a:lstStyle>
           <a:p>
-            <a:fld id="{EC04DDF7-921D-4AC8-B946-4DD615DDC886}" type="datetimeFigureOut">
-              <a:rPr lang="ko-KR" altLang="en-US" smtClean="0"/>
-              <a:t>2018-04-17</a:t>
+            <a:pPr lvl="0">
+              <a:defRPr/>
+            </a:pPr>
+            <a:fld id="{EC04DDF7-921D-4AC8-B946-4DD615DDC886}" type="datetime1">
+              <a:rPr lang="ko-KR" altLang="en-US"/>
+              <a:pPr lvl="0">
+                <a:defRPr/>
+              </a:pPr>
+              <a:t>2018-05-04</a:t>
             </a:fld>
             <a:endParaRPr lang="ko-KR" altLang="en-US"/>
           </a:p>
@@ -415,7 +418,7 @@
         <p:nvSpPr>
           <p:cNvPr id="4" name="Slide Image Placeholder 3"/>
           <p:cNvSpPr>
-            <a:spLocks noGrp="1" noRot="1" noChangeAspect="1"/>
+            <a:spLocks noGrp="1" noRot="1" noChangeAspect="1" noTextEdit="1"/>
           </p:cNvSpPr>
           <p:nvPr>
             <p:ph type="sldImg" idx="2"/>
@@ -437,9 +440,12 @@
           </a:ln>
         </p:spPr>
         <p:txBody>
-          <a:bodyPr vert="horz" lIns="91440" tIns="45720" rIns="91440" bIns="45720" rtlCol="0" anchor="ctr"/>
+          <a:bodyPr vert="horz" lIns="91440" tIns="45720" rIns="91440" bIns="45720" anchor="ctr"/>
           <a:lstStyle/>
           <a:p>
+            <a:pPr lvl="0">
+              <a:defRPr/>
+            </a:pPr>
             <a:endParaRPr lang="ko-KR" altLang="en-US"/>
           </a:p>
         </p:txBody>
@@ -464,38 +470,52 @@
           </a:prstGeom>
         </p:spPr>
         <p:txBody>
-          <a:bodyPr vert="horz" lIns="91440" tIns="45720" rIns="91440" bIns="45720" rtlCol="0"/>
+          <a:bodyPr vert="horz" lIns="91440" tIns="45720" rIns="91440" bIns="45720"/>
           <a:lstStyle/>
           <a:p>
-            <a:pPr lvl="0"/>
+            <a:pPr lvl="0">
+              <a:defRPr/>
+            </a:pPr>
             <a:r>
               <a:rPr lang="en-US" altLang="ko-KR"/>
               <a:t>Click to edit Master text styles</a:t>
             </a:r>
+            <a:endParaRPr lang="en-US" altLang="ko-KR"/>
           </a:p>
           <a:p>
-            <a:pPr lvl="1"/>
+            <a:pPr lvl="1">
+              <a:defRPr/>
+            </a:pPr>
             <a:r>
               <a:rPr lang="en-US" altLang="ko-KR"/>
               <a:t>Second level</a:t>
             </a:r>
+            <a:endParaRPr lang="en-US" altLang="ko-KR"/>
           </a:p>
           <a:p>
-            <a:pPr lvl="2"/>
+            <a:pPr lvl="2">
+              <a:defRPr/>
+            </a:pPr>
             <a:r>
               <a:rPr lang="en-US" altLang="ko-KR"/>
               <a:t>Third level</a:t>
             </a:r>
+            <a:endParaRPr lang="en-US" altLang="ko-KR"/>
           </a:p>
           <a:p>
-            <a:pPr lvl="3"/>
+            <a:pPr lvl="3">
+              <a:defRPr/>
+            </a:pPr>
             <a:r>
               <a:rPr lang="en-US" altLang="ko-KR"/>
               <a:t>Fourth level</a:t>
             </a:r>
+            <a:endParaRPr lang="en-US" altLang="ko-KR"/>
           </a:p>
           <a:p>
-            <a:pPr lvl="4"/>
+            <a:pPr lvl="4">
+              <a:defRPr/>
+            </a:pPr>
             <a:r>
               <a:rPr lang="en-US" altLang="ko-KR"/>
               <a:t>Fifth level</a:t>
@@ -524,13 +544,20 @@
           </a:prstGeom>
         </p:spPr>
         <p:txBody>
-          <a:bodyPr vert="horz" lIns="91440" tIns="45720" rIns="91440" bIns="45720" rtlCol="0" anchor="b"/>
+          <a:bodyPr vert="horz" lIns="91440" tIns="45720" rIns="91440" bIns="45720" anchor="b"/>
           <a:lstStyle>
             <a:lvl1pPr algn="l">
               <a:defRPr sz="1200"/>
             </a:lvl1pPr>
           </a:lstStyle>
           <a:p>
+            <a:pPr lvl="0">
+              <a:defRPr/>
+            </a:pPr>
+            <a:r>
+              <a:rPr lang="ko-KR" altLang="en-US"/>
+              <a:t/>
+            </a:r>
             <a:endParaRPr lang="ko-KR" altLang="en-US"/>
           </a:p>
         </p:txBody>
@@ -555,15 +582,21 @@
           </a:prstGeom>
         </p:spPr>
         <p:txBody>
-          <a:bodyPr vert="horz" lIns="91440" tIns="45720" rIns="91440" bIns="45720" rtlCol="0" anchor="b"/>
+          <a:bodyPr vert="horz" lIns="91440" tIns="45720" rIns="91440" bIns="45720" anchor="b"/>
           <a:lstStyle>
             <a:lvl1pPr algn="r">
               <a:defRPr sz="1200"/>
             </a:lvl1pPr>
           </a:lstStyle>
           <a:p>
+            <a:pPr lvl="0">
+              <a:defRPr/>
+            </a:pPr>
             <a:fld id="{A0042B24-5628-4EE2-A5C0-B4E095A44801}" type="slidenum">
-              <a:rPr lang="ko-KR" altLang="en-US" smtClean="0"/>
+              <a:rPr lang="ko-KR" altLang="en-US"/>
+              <a:pPr lvl="0">
+                <a:defRPr/>
+              </a:pPr>
               <a:t>‹#›</a:t>
             </a:fld>
             <a:endParaRPr lang="ko-KR" altLang="en-US"/>
@@ -571,13 +604,9 @@
         </p:txBody>
       </p:sp>
     </p:spTree>
-    <p:extLst>
-      <p:ext uri="{BB962C8B-B14F-4D97-AF65-F5344CB8AC3E}">
-        <p14:creationId xmlns:p14="http://schemas.microsoft.com/office/powerpoint/2010/main" val="2125444701"/>
-      </p:ext>
-    </p:extLst>
   </p:cSld>
   <p:clrMap bg1="lt1" tx1="dk1" bg2="lt2" tx2="dk2" accent1="accent1" accent2="accent2" accent3="accent3" accent4="accent4" accent5="accent5" accent6="accent6" hlink="hlink" folHlink="folHlink"/>
+  <p:hf hdr="0" ftr="0" dt="0"/>
   <p:notesStyle>
     <a:lvl1pPr marL="0" algn="l" defTabSz="914400" rtl="0" eaLnBrk="1" latinLnBrk="1" hangingPunct="1">
       <a:defRPr sz="1200" kern="1200">
@@ -788,596 +817,6 @@
           <a:chExt cx="0" cy="0"/>
         </a:xfrm>
       </p:grpSpPr>
-      <p:pic>
-        <p:nvPicPr>
-          <p:cNvPr id="2" name="Picture 2" descr="E:\002-KIMS BUSINESS\007-bizdesign.tv\000-PPT FOR KMONG\PSD\13-05-14\모니터.png"/>
-          <p:cNvPicPr>
-            <a:picLocks noChangeAspect="1" noChangeArrowheads="1"/>
-          </p:cNvPicPr>
-          <p:nvPr userDrawn="1"/>
-        </p:nvPicPr>
-        <p:blipFill>
-          <a:blip r:embed="rId3">
-            <a:extLst>
-              <a:ext uri="{28A0092B-C50C-407E-A947-70E740481C1C}">
-                <a14:useLocalDpi xmlns:a14="http://schemas.microsoft.com/office/drawing/2010/main" val="0"/>
-              </a:ext>
-            </a:extLst>
-          </a:blip>
-          <a:srcRect/>
-          <a:stretch>
-            <a:fillRect/>
-          </a:stretch>
-        </p:blipFill>
-        <p:spPr bwMode="auto">
-          <a:xfrm>
-            <a:off x="2783637" y="646773"/>
-            <a:ext cx="3420164" cy="2989145"/>
-          </a:xfrm>
-          <a:prstGeom prst="rect">
-            <a:avLst/>
-          </a:prstGeom>
-          <a:noFill/>
-          <a:extLst>
-            <a:ext uri="{909E8E84-426E-40DD-AFC4-6F175D3DCCD1}">
-              <a14:hiddenFill xmlns:a14="http://schemas.microsoft.com/office/drawing/2010/main">
-                <a:solidFill>
-                  <a:srgbClr val="FFFFFF"/>
-                </a:solidFill>
-              </a14:hiddenFill>
-            </a:ext>
-          </a:extLst>
-        </p:spPr>
-      </p:pic>
-      <p:sp>
-        <p:nvSpPr>
-          <p:cNvPr id="4" name="Picture Placeholder 2"/>
-          <p:cNvSpPr>
-            <a:spLocks noGrp="1"/>
-          </p:cNvSpPr>
-          <p:nvPr>
-            <p:ph type="pic" idx="1" hasCustomPrompt="1"/>
-          </p:nvPr>
-        </p:nvSpPr>
-        <p:spPr>
-          <a:xfrm>
-            <a:off x="2920519" y="744654"/>
-            <a:ext cx="3146400" cy="1944000"/>
-          </a:xfrm>
-          <a:prstGeom prst="rect">
-            <a:avLst/>
-          </a:prstGeom>
-          <a:solidFill>
-            <a:schemeClr val="bg1">
-              <a:lumMod val="95000"/>
-            </a:schemeClr>
-          </a:solidFill>
-        </p:spPr>
-        <p:txBody>
-          <a:bodyPr anchor="ctr"/>
-          <a:lstStyle>
-            <a:lvl1pPr marL="0" indent="0" algn="ctr">
-              <a:buNone/>
-              <a:defRPr sz="2800" baseline="0">
-                <a:solidFill>
-                  <a:schemeClr val="tx1">
-                    <a:lumMod val="75000"/>
-                    <a:lumOff val="25000"/>
-                  </a:schemeClr>
-                </a:solidFill>
-                <a:latin typeface="+mn-lt"/>
-                <a:cs typeface="Arial" pitchFamily="34" charset="0"/>
-              </a:defRPr>
-            </a:lvl1pPr>
-            <a:lvl2pPr marL="457200" indent="0">
-              <a:buNone/>
-              <a:defRPr sz="2800"/>
-            </a:lvl2pPr>
-            <a:lvl3pPr marL="914400" indent="0">
-              <a:buNone/>
-              <a:defRPr sz="2400"/>
-            </a:lvl3pPr>
-            <a:lvl4pPr marL="1371600" indent="0">
-              <a:buNone/>
-              <a:defRPr sz="2000"/>
-            </a:lvl4pPr>
-            <a:lvl5pPr marL="1828800" indent="0">
-              <a:buNone/>
-              <a:defRPr sz="2000"/>
-            </a:lvl5pPr>
-            <a:lvl6pPr marL="2286000" indent="0">
-              <a:buNone/>
-              <a:defRPr sz="2000"/>
-            </a:lvl6pPr>
-            <a:lvl7pPr marL="2743200" indent="0">
-              <a:buNone/>
-              <a:defRPr sz="2000"/>
-            </a:lvl7pPr>
-            <a:lvl8pPr marL="3200400" indent="0">
-              <a:buNone/>
-              <a:defRPr sz="2000"/>
-            </a:lvl8pPr>
-            <a:lvl9pPr marL="3657600" indent="0">
-              <a:buNone/>
-              <a:defRPr sz="2000"/>
-            </a:lvl9pPr>
-          </a:lstStyle>
-          <a:p>
-            <a:r>
-              <a:rPr lang="en-US" altLang="ko-KR" dirty="0"/>
-              <a:t>Insert Your Image</a:t>
-            </a:r>
-            <a:endParaRPr lang="ko-KR" altLang="en-US" dirty="0"/>
-          </a:p>
-        </p:txBody>
-      </p:sp>
-      <p:sp>
-        <p:nvSpPr>
-          <p:cNvPr id="7" name="Text Placeholder 9">
-            <a:extLst>
-              <a:ext uri="{FF2B5EF4-FFF2-40B4-BE49-F238E27FC236}">
-                <a16:creationId xmlns:a16="http://schemas.microsoft.com/office/drawing/2014/main" xmlns="" id="{120A1E39-4EAE-4670-B341-E87651138888}"/>
-              </a:ext>
-            </a:extLst>
-          </p:cNvPr>
-          <p:cNvSpPr>
-            <a:spLocks noGrp="1"/>
-          </p:cNvSpPr>
-          <p:nvPr>
-            <p:ph type="body" sz="quarter" idx="11" hasCustomPrompt="1"/>
-          </p:nvPr>
-        </p:nvSpPr>
-        <p:spPr>
-          <a:xfrm>
-            <a:off x="0" y="4203515"/>
-            <a:ext cx="9143999" cy="207553"/>
-          </a:xfrm>
-          <a:prstGeom prst="rect">
-            <a:avLst/>
-          </a:prstGeom>
-        </p:spPr>
-        <p:txBody>
-          <a:bodyPr lIns="108000" anchor="ctr"/>
-          <a:lstStyle>
-            <a:lvl1pPr marL="0" indent="0" algn="ctr">
-              <a:buNone/>
-              <a:defRPr sz="1200" b="1" baseline="0">
-                <a:solidFill>
-                  <a:schemeClr val="tx1"/>
-                </a:solidFill>
-                <a:effectLst/>
-                <a:latin typeface="+mn-lt"/>
-                <a:cs typeface="Arial" pitchFamily="34" charset="0"/>
-              </a:defRPr>
-            </a:lvl1pPr>
-          </a:lstStyle>
-          <a:p>
-            <a:pPr lvl="0"/>
-            <a:r>
-              <a:rPr lang="en-US" altLang="ko-KR" dirty="0"/>
-              <a:t>INSTERT THE TITLE OF YOUR PRESENTATION HERE</a:t>
-            </a:r>
-            <a:endParaRPr lang="ko-KR" altLang="en-US" dirty="0"/>
-          </a:p>
-        </p:txBody>
-      </p:sp>
-      <p:sp>
-        <p:nvSpPr>
-          <p:cNvPr id="8" name="제목 1">
-            <a:extLst>
-              <a:ext uri="{FF2B5EF4-FFF2-40B4-BE49-F238E27FC236}">
-                <a16:creationId xmlns:a16="http://schemas.microsoft.com/office/drawing/2014/main" xmlns="" id="{3DAC9DBF-2FD4-4775-8F53-02C2F29CA84A}"/>
-              </a:ext>
-            </a:extLst>
-          </p:cNvPr>
-          <p:cNvSpPr>
-            <a:spLocks noGrp="1"/>
-          </p:cNvSpPr>
-          <p:nvPr>
-            <p:ph type="title" hasCustomPrompt="1"/>
-          </p:nvPr>
-        </p:nvSpPr>
-        <p:spPr>
-          <a:xfrm>
-            <a:off x="0" y="3651870"/>
-            <a:ext cx="9143998" cy="540000"/>
-          </a:xfrm>
-          <a:prstGeom prst="rect">
-            <a:avLst/>
-          </a:prstGeom>
-        </p:spPr>
-        <p:txBody>
-          <a:bodyPr anchor="ctr">
-            <a:noAutofit/>
-          </a:bodyPr>
-          <a:lstStyle>
-            <a:lvl1pPr algn="ctr">
-              <a:defRPr sz="3600" b="1" baseline="0">
-                <a:solidFill>
-                  <a:schemeClr val="tx1">
-                    <a:lumMod val="75000"/>
-                    <a:lumOff val="25000"/>
-                  </a:schemeClr>
-                </a:solidFill>
-                <a:effectLst/>
-                <a:latin typeface="+mj-lt"/>
-                <a:cs typeface="Arial" pitchFamily="34" charset="0"/>
-              </a:defRPr>
-            </a:lvl1pPr>
-          </a:lstStyle>
-          <a:p>
-            <a:r>
-              <a:rPr lang="en-US" altLang="ko-KR" dirty="0"/>
-              <a:t>FREE PPT TEMPLATES</a:t>
-            </a:r>
-            <a:endParaRPr lang="ko-KR" altLang="en-US" dirty="0"/>
-          </a:p>
-        </p:txBody>
-      </p:sp>
-    </p:spTree>
-    <p:extLst>
-      <p:ext uri="{BB962C8B-B14F-4D97-AF65-F5344CB8AC3E}">
-        <p14:creationId xmlns:p14="http://schemas.microsoft.com/office/powerpoint/2010/main" val="1070206903"/>
-      </p:ext>
-    </p:extLst>
-  </p:cSld>
-  <p:clrMapOvr>
-    <a:masterClrMapping/>
-  </p:clrMapOvr>
-  <p:transition spd="slow">
-    <p:push/>
-  </p:transition>
-</p:sldLayout>
-</file>
-
-<file path=ppt/slideLayouts/slideLayout2.xml><?xml version="1.0" encoding="utf-8"?>
-<p:sldLayout xmlns:a="http://schemas.openxmlformats.org/drawingml/2006/main" xmlns:r="http://schemas.openxmlformats.org/officeDocument/2006/relationships" xmlns:p="http://schemas.openxmlformats.org/presentationml/2006/main" preserve="1" userDrawn="1">
-  <p:cSld name="10_Title Slide">
-    <p:spTree>
-      <p:nvGrpSpPr>
-        <p:cNvPr id="1" name=""/>
-        <p:cNvGrpSpPr/>
-        <p:nvPr/>
-      </p:nvGrpSpPr>
-      <p:grpSpPr>
-        <a:xfrm>
-          <a:off x="0" y="0"/>
-          <a:ext cx="0" cy="0"/>
-          <a:chOff x="0" y="0"/>
-          <a:chExt cx="0" cy="0"/>
-        </a:xfrm>
-      </p:grpSpPr>
-      <p:pic>
-        <p:nvPicPr>
-          <p:cNvPr id="5122" name="Picture 2" descr="D:\KBM-정애\014-Fullppt\PNG이미지\탭.png"/>
-          <p:cNvPicPr>
-            <a:picLocks noChangeAspect="1" noChangeArrowheads="1"/>
-          </p:cNvPicPr>
-          <p:nvPr userDrawn="1"/>
-        </p:nvPicPr>
-        <p:blipFill>
-          <a:blip r:embed="rId2">
-            <a:extLst>
-              <a:ext uri="{28A0092B-C50C-407E-A947-70E740481C1C}">
-                <a14:useLocalDpi xmlns:a14="http://schemas.microsoft.com/office/drawing/2010/main" val="0"/>
-              </a:ext>
-            </a:extLst>
-          </a:blip>
-          <a:srcRect/>
-          <a:stretch>
-            <a:fillRect/>
-          </a:stretch>
-        </p:blipFill>
-        <p:spPr bwMode="auto">
-          <a:xfrm>
-            <a:off x="3512052" y="483518"/>
-            <a:ext cx="2049645" cy="2524422"/>
-          </a:xfrm>
-          <a:prstGeom prst="rect">
-            <a:avLst/>
-          </a:prstGeom>
-          <a:noFill/>
-          <a:extLst>
-            <a:ext uri="{909E8E84-426E-40DD-AFC4-6F175D3DCCD1}">
-              <a14:hiddenFill xmlns:a14="http://schemas.microsoft.com/office/drawing/2010/main">
-                <a:solidFill>
-                  <a:srgbClr val="FFFFFF"/>
-                </a:solidFill>
-              </a14:hiddenFill>
-            </a:ext>
-          </a:extLst>
-        </p:spPr>
-      </p:pic>
-      <p:sp>
-        <p:nvSpPr>
-          <p:cNvPr id="2" name="Picture Placeholder 2"/>
-          <p:cNvSpPr>
-            <a:spLocks noGrp="1"/>
-          </p:cNvSpPr>
-          <p:nvPr>
-            <p:ph type="pic" idx="1" hasCustomPrompt="1"/>
-          </p:nvPr>
-        </p:nvSpPr>
-        <p:spPr>
-          <a:xfrm>
-            <a:off x="3836710" y="731206"/>
-            <a:ext cx="1440672" cy="1803564"/>
-          </a:xfrm>
-          <a:prstGeom prst="rect">
-            <a:avLst/>
-          </a:prstGeom>
-          <a:solidFill>
-            <a:schemeClr val="bg1">
-              <a:lumMod val="95000"/>
-            </a:schemeClr>
-          </a:solidFill>
-          <a:ln w="38100">
-            <a:noFill/>
-          </a:ln>
-        </p:spPr>
-        <p:txBody>
-          <a:bodyPr anchor="ctr"/>
-          <a:lstStyle>
-            <a:lvl1pPr marL="0" indent="0" algn="ctr">
-              <a:buNone/>
-              <a:defRPr sz="1200" baseline="0">
-                <a:latin typeface="+mn-lt"/>
-                <a:cs typeface="Arial" pitchFamily="34" charset="0"/>
-              </a:defRPr>
-            </a:lvl1pPr>
-            <a:lvl2pPr marL="457200" indent="0">
-              <a:buNone/>
-              <a:defRPr sz="2800"/>
-            </a:lvl2pPr>
-            <a:lvl3pPr marL="914400" indent="0">
-              <a:buNone/>
-              <a:defRPr sz="2400"/>
-            </a:lvl3pPr>
-            <a:lvl4pPr marL="1371600" indent="0">
-              <a:buNone/>
-              <a:defRPr sz="2000"/>
-            </a:lvl4pPr>
-            <a:lvl5pPr marL="1828800" indent="0">
-              <a:buNone/>
-              <a:defRPr sz="2000"/>
-            </a:lvl5pPr>
-            <a:lvl6pPr marL="2286000" indent="0">
-              <a:buNone/>
-              <a:defRPr sz="2000"/>
-            </a:lvl6pPr>
-            <a:lvl7pPr marL="2743200" indent="0">
-              <a:buNone/>
-              <a:defRPr sz="2000"/>
-            </a:lvl7pPr>
-            <a:lvl8pPr marL="3200400" indent="0">
-              <a:buNone/>
-              <a:defRPr sz="2000"/>
-            </a:lvl8pPr>
-            <a:lvl9pPr marL="3657600" indent="0">
-              <a:buNone/>
-              <a:defRPr sz="2000"/>
-            </a:lvl9pPr>
-          </a:lstStyle>
-          <a:p>
-            <a:r>
-              <a:rPr lang="en-US" altLang="ko-KR" dirty="0"/>
-              <a:t>Insert Your Image</a:t>
-            </a:r>
-            <a:endParaRPr lang="ko-KR" altLang="en-US" dirty="0"/>
-          </a:p>
-        </p:txBody>
-      </p:sp>
-    </p:spTree>
-    <p:extLst>
-      <p:ext uri="{BB962C8B-B14F-4D97-AF65-F5344CB8AC3E}">
-        <p14:creationId xmlns:p14="http://schemas.microsoft.com/office/powerpoint/2010/main" val="2328993309"/>
-      </p:ext>
-    </p:extLst>
-  </p:cSld>
-  <p:clrMapOvr>
-    <a:masterClrMapping/>
-  </p:clrMapOvr>
-  <p:transition spd="slow">
-    <p:push/>
-  </p:transition>
-</p:sldLayout>
-</file>
-
-<file path=ppt/slideLayouts/slideLayout3.xml><?xml version="1.0" encoding="utf-8"?>
-<p:sldLayout xmlns:a="http://schemas.openxmlformats.org/drawingml/2006/main" xmlns:r="http://schemas.openxmlformats.org/officeDocument/2006/relationships" xmlns:p="http://schemas.openxmlformats.org/presentationml/2006/main" preserve="1" userDrawn="1">
-  <p:cSld name="Picture with Caption">
-    <p:bg>
-      <p:bgPr>
-        <a:blipFill dpi="0" rotWithShape="1">
-          <a:blip r:embed="rId2">
-            <a:lum/>
-          </a:blip>
-          <a:srcRect/>
-          <a:stretch>
-            <a:fillRect/>
-          </a:stretch>
-        </a:blipFill>
-        <a:effectLst/>
-      </p:bgPr>
-    </p:bg>
-    <p:spTree>
-      <p:nvGrpSpPr>
-        <p:cNvPr id="1" name=""/>
-        <p:cNvGrpSpPr/>
-        <p:nvPr/>
-      </p:nvGrpSpPr>
-      <p:grpSpPr>
-        <a:xfrm>
-          <a:off x="0" y="0"/>
-          <a:ext cx="0" cy="0"/>
-          <a:chOff x="0" y="0"/>
-          <a:chExt cx="0" cy="0"/>
-        </a:xfrm>
-      </p:grpSpPr>
-      <p:pic>
-        <p:nvPicPr>
-          <p:cNvPr id="2" name="Picture 2" descr="E:\002-KIMS BUSINESS\007-bizdesign.tv\000-PPT FOR KMONG\PSD\13-05-14\모니터.png"/>
-          <p:cNvPicPr>
-            <a:picLocks noChangeAspect="1" noChangeArrowheads="1"/>
-          </p:cNvPicPr>
-          <p:nvPr userDrawn="1"/>
-        </p:nvPicPr>
-        <p:blipFill>
-          <a:blip r:embed="rId3">
-            <a:extLst>
-              <a:ext uri="{28A0092B-C50C-407E-A947-70E740481C1C}">
-                <a14:useLocalDpi xmlns:a14="http://schemas.microsoft.com/office/drawing/2010/main" val="0"/>
-              </a:ext>
-            </a:extLst>
-          </a:blip>
-          <a:srcRect/>
-          <a:stretch>
-            <a:fillRect/>
-          </a:stretch>
-        </p:blipFill>
-        <p:spPr bwMode="auto">
-          <a:xfrm>
-            <a:off x="2783637" y="646773"/>
-            <a:ext cx="3420164" cy="2989145"/>
-          </a:xfrm>
-          <a:prstGeom prst="rect">
-            <a:avLst/>
-          </a:prstGeom>
-          <a:noFill/>
-          <a:extLst>
-            <a:ext uri="{909E8E84-426E-40DD-AFC4-6F175D3DCCD1}">
-              <a14:hiddenFill xmlns:a14="http://schemas.microsoft.com/office/drawing/2010/main">
-                <a:solidFill>
-                  <a:srgbClr val="FFFFFF"/>
-                </a:solidFill>
-              </a14:hiddenFill>
-            </a:ext>
-          </a:extLst>
-        </p:spPr>
-      </p:pic>
-      <p:sp>
-        <p:nvSpPr>
-          <p:cNvPr id="3" name="Picture Placeholder 2"/>
-          <p:cNvSpPr>
-            <a:spLocks noGrp="1"/>
-          </p:cNvSpPr>
-          <p:nvPr>
-            <p:ph type="pic" idx="1" hasCustomPrompt="1"/>
-          </p:nvPr>
-        </p:nvSpPr>
-        <p:spPr>
-          <a:xfrm>
-            <a:off x="2920519" y="744654"/>
-            <a:ext cx="3146400" cy="1944000"/>
-          </a:xfrm>
-          <a:prstGeom prst="rect">
-            <a:avLst/>
-          </a:prstGeom>
-          <a:solidFill>
-            <a:schemeClr val="bg1">
-              <a:lumMod val="95000"/>
-            </a:schemeClr>
-          </a:solidFill>
-        </p:spPr>
-        <p:txBody>
-          <a:bodyPr anchor="ctr"/>
-          <a:lstStyle>
-            <a:lvl1pPr marL="0" indent="0" algn="ctr">
-              <a:buNone/>
-              <a:defRPr sz="1200" baseline="0">
-                <a:latin typeface="+mn-lt"/>
-                <a:cs typeface="Arial" pitchFamily="34" charset="0"/>
-              </a:defRPr>
-            </a:lvl1pPr>
-            <a:lvl2pPr marL="457200" indent="0">
-              <a:buNone/>
-              <a:defRPr sz="2800"/>
-            </a:lvl2pPr>
-            <a:lvl3pPr marL="914400" indent="0">
-              <a:buNone/>
-              <a:defRPr sz="2400"/>
-            </a:lvl3pPr>
-            <a:lvl4pPr marL="1371600" indent="0">
-              <a:buNone/>
-              <a:defRPr sz="2000"/>
-            </a:lvl4pPr>
-            <a:lvl5pPr marL="1828800" indent="0">
-              <a:buNone/>
-              <a:defRPr sz="2000"/>
-            </a:lvl5pPr>
-            <a:lvl6pPr marL="2286000" indent="0">
-              <a:buNone/>
-              <a:defRPr sz="2000"/>
-            </a:lvl6pPr>
-            <a:lvl7pPr marL="2743200" indent="0">
-              <a:buNone/>
-              <a:defRPr sz="2000"/>
-            </a:lvl7pPr>
-            <a:lvl8pPr marL="3200400" indent="0">
-              <a:buNone/>
-              <a:defRPr sz="2000"/>
-            </a:lvl8pPr>
-            <a:lvl9pPr marL="3657600" indent="0">
-              <a:buNone/>
-              <a:defRPr sz="2000"/>
-            </a:lvl9pPr>
-          </a:lstStyle>
-          <a:p>
-            <a:r>
-              <a:rPr lang="en-US" altLang="ko-KR" dirty="0"/>
-              <a:t>Insert Your Image</a:t>
-            </a:r>
-            <a:endParaRPr lang="ko-KR" altLang="en-US" dirty="0"/>
-          </a:p>
-        </p:txBody>
-      </p:sp>
-    </p:spTree>
-    <p:extLst>
-      <p:ext uri="{BB962C8B-B14F-4D97-AF65-F5344CB8AC3E}">
-        <p14:creationId xmlns:p14="http://schemas.microsoft.com/office/powerpoint/2010/main" val="2853970883"/>
-      </p:ext>
-    </p:extLst>
-  </p:cSld>
-  <p:clrMapOvr>
-    <a:masterClrMapping/>
-  </p:clrMapOvr>
-  <p:transition spd="slow">
-    <p:push/>
-  </p:transition>
-</p:sldLayout>
-</file>
-
-<file path=ppt/slideLayouts/slideLayout4.xml><?xml version="1.0" encoding="utf-8"?>
-<p:sldLayout xmlns:a="http://schemas.openxmlformats.org/drawingml/2006/main" xmlns:r="http://schemas.openxmlformats.org/officeDocument/2006/relationships" xmlns:p="http://schemas.openxmlformats.org/presentationml/2006/main" preserve="1" userDrawn="1">
-  <p:cSld name="Title Slide">
-    <p:bg>
-      <p:bgPr>
-        <a:blipFill dpi="0" rotWithShape="1">
-          <a:blip r:embed="rId2">
-            <a:lum/>
-          </a:blip>
-          <a:srcRect/>
-          <a:stretch>
-            <a:fillRect/>
-          </a:stretch>
-        </a:blipFill>
-        <a:effectLst/>
-      </p:bgPr>
-    </p:bg>
-    <p:spTree>
-      <p:nvGrpSpPr>
-        <p:cNvPr id="1" name=""/>
-        <p:cNvGrpSpPr/>
-        <p:nvPr/>
-      </p:nvGrpSpPr>
-      <p:grpSpPr>
-        <a:xfrm>
-          <a:off x="0" y="0"/>
-          <a:ext cx="0" cy="0"/>
-          <a:chOff x="0" y="0"/>
-          <a:chExt cx="0" cy="0"/>
-        </a:xfrm>
-      </p:grpSpPr>
       <p:sp>
         <p:nvSpPr>
           <p:cNvPr id="2" name="Title 8"/>
@@ -1501,7 +940,7 @@
 </p:sldLayout>
 </file>
 
-<file path=ppt/slideLayouts/slideLayout5.xml><?xml version="1.0" encoding="utf-8"?>
+<file path=ppt/slideLayouts/slideLayout2.xml><?xml version="1.0" encoding="utf-8"?>
 <p:sldLayout xmlns:a="http://schemas.openxmlformats.org/drawingml/2006/main" xmlns:r="http://schemas.openxmlformats.org/officeDocument/2006/relationships" xmlns:p="http://schemas.openxmlformats.org/presentationml/2006/main" userDrawn="1">
   <p:cSld name="1_Title Slide">
     <p:spTree>
@@ -1578,7 +1017,7 @@
 </p:sldLayout>
 </file>
 
-<file path=ppt/slideLayouts/slideLayout6.xml><?xml version="1.0" encoding="utf-8"?>
+<file path=ppt/slideLayouts/slideLayout3.xml><?xml version="1.0" encoding="utf-8"?>
 <p:sldLayout xmlns:a="http://schemas.openxmlformats.org/drawingml/2006/main" xmlns:r="http://schemas.openxmlformats.org/officeDocument/2006/relationships" xmlns:p="http://schemas.openxmlformats.org/presentationml/2006/main" userDrawn="1">
   <p:cSld name="7_Title Slide">
     <p:spTree>
@@ -1694,297 +1133,6 @@
 </file>
 
 <file path=ppt/slideMasters/slideMaster1.xml><?xml version="1.0" encoding="utf-8"?>
-<p:sldMaster xmlns:a="http://schemas.openxmlformats.org/drawingml/2006/main" xmlns:r="http://schemas.openxmlformats.org/officeDocument/2006/relationships" xmlns:p="http://schemas.openxmlformats.org/presentationml/2006/main" preserve="1">
-  <p:cSld>
-    <p:bg>
-      <p:bgRef idx="1001">
-        <a:schemeClr val="bg1"/>
-      </p:bgRef>
-    </p:bg>
-    <p:spTree>
-      <p:nvGrpSpPr>
-        <p:cNvPr id="1" name=""/>
-        <p:cNvGrpSpPr/>
-        <p:nvPr/>
-      </p:nvGrpSpPr>
-      <p:grpSpPr>
-        <a:xfrm>
-          <a:off x="0" y="0"/>
-          <a:ext cx="0" cy="0"/>
-          <a:chOff x="0" y="0"/>
-          <a:chExt cx="0" cy="0"/>
-        </a:xfrm>
-      </p:grpSpPr>
-    </p:spTree>
-    <p:extLst>
-      <p:ext uri="{BB962C8B-B14F-4D97-AF65-F5344CB8AC3E}">
-        <p14:creationId xmlns:p14="http://schemas.microsoft.com/office/powerpoint/2010/main" val="2850478714"/>
-      </p:ext>
-    </p:extLst>
-  </p:cSld>
-  <p:clrMap bg1="lt1" tx1="dk1" bg2="lt2" tx2="dk2" accent1="accent1" accent2="accent2" accent3="accent3" accent4="accent4" accent5="accent5" accent6="accent6" hlink="hlink" folHlink="folHlink"/>
-  <p:sldLayoutIdLst>
-    <p:sldLayoutId id="2147483662" r:id="rId1"/>
-    <p:sldLayoutId id="2147483673" r:id="rId2"/>
-    <p:sldLayoutId id="2147483663" r:id="rId3"/>
-  </p:sldLayoutIdLst>
-  <p:transition spd="slow">
-    <p:push/>
-  </p:transition>
-  <p:txStyles>
-    <p:titleStyle>
-      <a:lvl1pPr algn="ctr" defTabSz="914400" rtl="0" eaLnBrk="1" latinLnBrk="1" hangingPunct="1">
-        <a:spcBef>
-          <a:spcPct val="0"/>
-        </a:spcBef>
-        <a:buNone/>
-        <a:defRPr sz="4400" kern="1200">
-          <a:solidFill>
-            <a:schemeClr val="tx1"/>
-          </a:solidFill>
-          <a:latin typeface="+mj-lt"/>
-          <a:ea typeface="+mj-ea"/>
-          <a:cs typeface="+mj-cs"/>
-        </a:defRPr>
-      </a:lvl1pPr>
-    </p:titleStyle>
-    <p:bodyStyle>
-      <a:lvl1pPr marL="342900" indent="-342900" algn="l" defTabSz="914400" rtl="0" eaLnBrk="1" latinLnBrk="1" hangingPunct="1">
-        <a:spcBef>
-          <a:spcPct val="20000"/>
-        </a:spcBef>
-        <a:buFont typeface="Arial" pitchFamily="34" charset="0"/>
-        <a:buChar char="•"/>
-        <a:defRPr sz="3200" kern="1200">
-          <a:solidFill>
-            <a:schemeClr val="tx1"/>
-          </a:solidFill>
-          <a:latin typeface="+mn-lt"/>
-          <a:ea typeface="+mn-ea"/>
-          <a:cs typeface="+mn-cs"/>
-        </a:defRPr>
-      </a:lvl1pPr>
-      <a:lvl2pPr marL="742950" indent="-285750" algn="l" defTabSz="914400" rtl="0" eaLnBrk="1" latinLnBrk="1" hangingPunct="1">
-        <a:spcBef>
-          <a:spcPct val="20000"/>
-        </a:spcBef>
-        <a:buFont typeface="Arial" pitchFamily="34" charset="0"/>
-        <a:buChar char="–"/>
-        <a:defRPr sz="2800" kern="1200">
-          <a:solidFill>
-            <a:schemeClr val="tx1"/>
-          </a:solidFill>
-          <a:latin typeface="+mn-lt"/>
-          <a:ea typeface="+mn-ea"/>
-          <a:cs typeface="+mn-cs"/>
-        </a:defRPr>
-      </a:lvl2pPr>
-      <a:lvl3pPr marL="1143000" indent="-228600" algn="l" defTabSz="914400" rtl="0" eaLnBrk="1" latinLnBrk="1" hangingPunct="1">
-        <a:spcBef>
-          <a:spcPct val="20000"/>
-        </a:spcBef>
-        <a:buFont typeface="Arial" pitchFamily="34" charset="0"/>
-        <a:buChar char="•"/>
-        <a:defRPr sz="2400" kern="1200">
-          <a:solidFill>
-            <a:schemeClr val="tx1"/>
-          </a:solidFill>
-          <a:latin typeface="+mn-lt"/>
-          <a:ea typeface="+mn-ea"/>
-          <a:cs typeface="+mn-cs"/>
-        </a:defRPr>
-      </a:lvl3pPr>
-      <a:lvl4pPr marL="1600200" indent="-228600" algn="l" defTabSz="914400" rtl="0" eaLnBrk="1" latinLnBrk="1" hangingPunct="1">
-        <a:spcBef>
-          <a:spcPct val="20000"/>
-        </a:spcBef>
-        <a:buFont typeface="Arial" pitchFamily="34" charset="0"/>
-        <a:buChar char="–"/>
-        <a:defRPr sz="2000" kern="1200">
-          <a:solidFill>
-            <a:schemeClr val="tx1"/>
-          </a:solidFill>
-          <a:latin typeface="+mn-lt"/>
-          <a:ea typeface="+mn-ea"/>
-          <a:cs typeface="+mn-cs"/>
-        </a:defRPr>
-      </a:lvl4pPr>
-      <a:lvl5pPr marL="2057400" indent="-228600" algn="l" defTabSz="914400" rtl="0" eaLnBrk="1" latinLnBrk="1" hangingPunct="1">
-        <a:spcBef>
-          <a:spcPct val="20000"/>
-        </a:spcBef>
-        <a:buFont typeface="Arial" pitchFamily="34" charset="0"/>
-        <a:buChar char="»"/>
-        <a:defRPr sz="2000" kern="1200">
-          <a:solidFill>
-            <a:schemeClr val="tx1"/>
-          </a:solidFill>
-          <a:latin typeface="+mn-lt"/>
-          <a:ea typeface="+mn-ea"/>
-          <a:cs typeface="+mn-cs"/>
-        </a:defRPr>
-      </a:lvl5pPr>
-      <a:lvl6pPr marL="2514600" indent="-228600" algn="l" defTabSz="914400" rtl="0" eaLnBrk="1" latinLnBrk="1" hangingPunct="1">
-        <a:spcBef>
-          <a:spcPct val="20000"/>
-        </a:spcBef>
-        <a:buFont typeface="Arial" pitchFamily="34" charset="0"/>
-        <a:buChar char="•"/>
-        <a:defRPr sz="2000" kern="1200">
-          <a:solidFill>
-            <a:schemeClr val="tx1"/>
-          </a:solidFill>
-          <a:latin typeface="+mn-lt"/>
-          <a:ea typeface="+mn-ea"/>
-          <a:cs typeface="+mn-cs"/>
-        </a:defRPr>
-      </a:lvl6pPr>
-      <a:lvl7pPr marL="2971800" indent="-228600" algn="l" defTabSz="914400" rtl="0" eaLnBrk="1" latinLnBrk="1" hangingPunct="1">
-        <a:spcBef>
-          <a:spcPct val="20000"/>
-        </a:spcBef>
-        <a:buFont typeface="Arial" pitchFamily="34" charset="0"/>
-        <a:buChar char="•"/>
-        <a:defRPr sz="2000" kern="1200">
-          <a:solidFill>
-            <a:schemeClr val="tx1"/>
-          </a:solidFill>
-          <a:latin typeface="+mn-lt"/>
-          <a:ea typeface="+mn-ea"/>
-          <a:cs typeface="+mn-cs"/>
-        </a:defRPr>
-      </a:lvl7pPr>
-      <a:lvl8pPr marL="3429000" indent="-228600" algn="l" defTabSz="914400" rtl="0" eaLnBrk="1" latinLnBrk="1" hangingPunct="1">
-        <a:spcBef>
-          <a:spcPct val="20000"/>
-        </a:spcBef>
-        <a:buFont typeface="Arial" pitchFamily="34" charset="0"/>
-        <a:buChar char="•"/>
-        <a:defRPr sz="2000" kern="1200">
-          <a:solidFill>
-            <a:schemeClr val="tx1"/>
-          </a:solidFill>
-          <a:latin typeface="+mn-lt"/>
-          <a:ea typeface="+mn-ea"/>
-          <a:cs typeface="+mn-cs"/>
-        </a:defRPr>
-      </a:lvl8pPr>
-      <a:lvl9pPr marL="3886200" indent="-228600" algn="l" defTabSz="914400" rtl="0" eaLnBrk="1" latinLnBrk="1" hangingPunct="1">
-        <a:spcBef>
-          <a:spcPct val="20000"/>
-        </a:spcBef>
-        <a:buFont typeface="Arial" pitchFamily="34" charset="0"/>
-        <a:buChar char="•"/>
-        <a:defRPr sz="2000" kern="1200">
-          <a:solidFill>
-            <a:schemeClr val="tx1"/>
-          </a:solidFill>
-          <a:latin typeface="+mn-lt"/>
-          <a:ea typeface="+mn-ea"/>
-          <a:cs typeface="+mn-cs"/>
-        </a:defRPr>
-      </a:lvl9pPr>
-    </p:bodyStyle>
-    <p:otherStyle>
-      <a:defPPr>
-        <a:defRPr lang="ko-KR"/>
-      </a:defPPr>
-      <a:lvl1pPr marL="0" algn="l" defTabSz="914400" rtl="0" eaLnBrk="1" latinLnBrk="1" hangingPunct="1">
-        <a:defRPr sz="1800" kern="1200">
-          <a:solidFill>
-            <a:schemeClr val="tx1"/>
-          </a:solidFill>
-          <a:latin typeface="+mn-lt"/>
-          <a:ea typeface="+mn-ea"/>
-          <a:cs typeface="+mn-cs"/>
-        </a:defRPr>
-      </a:lvl1pPr>
-      <a:lvl2pPr marL="457200" algn="l" defTabSz="914400" rtl="0" eaLnBrk="1" latinLnBrk="1" hangingPunct="1">
-        <a:defRPr sz="1800" kern="1200">
-          <a:solidFill>
-            <a:schemeClr val="tx1"/>
-          </a:solidFill>
-          <a:latin typeface="+mn-lt"/>
-          <a:ea typeface="+mn-ea"/>
-          <a:cs typeface="+mn-cs"/>
-        </a:defRPr>
-      </a:lvl2pPr>
-      <a:lvl3pPr marL="914400" algn="l" defTabSz="914400" rtl="0" eaLnBrk="1" latinLnBrk="1" hangingPunct="1">
-        <a:defRPr sz="1800" kern="1200">
-          <a:solidFill>
-            <a:schemeClr val="tx1"/>
-          </a:solidFill>
-          <a:latin typeface="+mn-lt"/>
-          <a:ea typeface="+mn-ea"/>
-          <a:cs typeface="+mn-cs"/>
-        </a:defRPr>
-      </a:lvl3pPr>
-      <a:lvl4pPr marL="1371600" algn="l" defTabSz="914400" rtl="0" eaLnBrk="1" latinLnBrk="1" hangingPunct="1">
-        <a:defRPr sz="1800" kern="1200">
-          <a:solidFill>
-            <a:schemeClr val="tx1"/>
-          </a:solidFill>
-          <a:latin typeface="+mn-lt"/>
-          <a:ea typeface="+mn-ea"/>
-          <a:cs typeface="+mn-cs"/>
-        </a:defRPr>
-      </a:lvl4pPr>
-      <a:lvl5pPr marL="1828800" algn="l" defTabSz="914400" rtl="0" eaLnBrk="1" latinLnBrk="1" hangingPunct="1">
-        <a:defRPr sz="1800" kern="1200">
-          <a:solidFill>
-            <a:schemeClr val="tx1"/>
-          </a:solidFill>
-          <a:latin typeface="+mn-lt"/>
-          <a:ea typeface="+mn-ea"/>
-          <a:cs typeface="+mn-cs"/>
-        </a:defRPr>
-      </a:lvl5pPr>
-      <a:lvl6pPr marL="2286000" algn="l" defTabSz="914400" rtl="0" eaLnBrk="1" latinLnBrk="1" hangingPunct="1">
-        <a:defRPr sz="1800" kern="1200">
-          <a:solidFill>
-            <a:schemeClr val="tx1"/>
-          </a:solidFill>
-          <a:latin typeface="+mn-lt"/>
-          <a:ea typeface="+mn-ea"/>
-          <a:cs typeface="+mn-cs"/>
-        </a:defRPr>
-      </a:lvl6pPr>
-      <a:lvl7pPr marL="2743200" algn="l" defTabSz="914400" rtl="0" eaLnBrk="1" latinLnBrk="1" hangingPunct="1">
-        <a:defRPr sz="1800" kern="1200">
-          <a:solidFill>
-            <a:schemeClr val="tx1"/>
-          </a:solidFill>
-          <a:latin typeface="+mn-lt"/>
-          <a:ea typeface="+mn-ea"/>
-          <a:cs typeface="+mn-cs"/>
-        </a:defRPr>
-      </a:lvl7pPr>
-      <a:lvl8pPr marL="3200400" algn="l" defTabSz="914400" rtl="0" eaLnBrk="1" latinLnBrk="1" hangingPunct="1">
-        <a:defRPr sz="1800" kern="1200">
-          <a:solidFill>
-            <a:schemeClr val="tx1"/>
-          </a:solidFill>
-          <a:latin typeface="+mn-lt"/>
-          <a:ea typeface="+mn-ea"/>
-          <a:cs typeface="+mn-cs"/>
-        </a:defRPr>
-      </a:lvl8pPr>
-      <a:lvl9pPr marL="3657600" algn="l" defTabSz="914400" rtl="0" eaLnBrk="1" latinLnBrk="1" hangingPunct="1">
-        <a:defRPr sz="1800" kern="1200">
-          <a:solidFill>
-            <a:schemeClr val="tx1"/>
-          </a:solidFill>
-          <a:latin typeface="+mn-lt"/>
-          <a:ea typeface="+mn-ea"/>
-          <a:cs typeface="+mn-cs"/>
-        </a:defRPr>
-      </a:lvl9pPr>
-    </p:otherStyle>
-  </p:txStyles>
-</p:sldMaster>
-</file>
-
-<file path=ppt/slideMasters/slideMaster2.xml><?xml version="1.0" encoding="utf-8"?>
 <p:sldMaster xmlns:a="http://schemas.openxmlformats.org/drawingml/2006/main" xmlns:r="http://schemas.openxmlformats.org/officeDocument/2006/relationships" xmlns:p="http://schemas.openxmlformats.org/presentationml/2006/main" preserve="1">
   <p:cSld>
     <p:bg>
@@ -2276,10 +1424,10 @@
 </file>
 
 <file path=ppt/slides/slide1.xml><?xml version="1.0" encoding="utf-8"?>
-<p:sld xmlns:a="http://schemas.openxmlformats.org/drawingml/2006/main" xmlns:r="http://schemas.openxmlformats.org/officeDocument/2006/relationships" xmlns:p="http://schemas.openxmlformats.org/presentationml/2006/main">
+<p:sld xmlns:r="http://schemas.openxmlformats.org/officeDocument/2006/relationships" xmlns:c="http://schemas.openxmlformats.org/drawingml/2006/chart" xmlns:a="http://schemas.openxmlformats.org/drawingml/2006/main" xmlns:dgm="http://schemas.openxmlformats.org/drawingml/2006/diagram" xmlns:dsp="http://schemas.microsoft.com/office/drawing/2008/diagram" xmlns:p="http://schemas.openxmlformats.org/presentationml/2006/main">
   <p:cSld>
     <p:bg>
-      <p:bgPr>
+      <p:bgPr shadeToTitle="0">
         <a:blipFill dpi="0" rotWithShape="1">
           <a:blip r:embed="rId2">
             <a:alphaModFix amt="71000"/>
@@ -2290,7 +1438,6 @@
             <a:fillRect t="-28000" b="-28000"/>
           </a:stretch>
         </a:blipFill>
-        <a:effectLst/>
       </p:bgPr>
     </p:bg>
     <p:spTree>
@@ -2314,41 +1461,44 @@
             <a:spLocks noGrp="1"/>
           </p:cNvSpPr>
           <p:nvPr>
-            <p:ph type="title"/>
+            <p:ph type="title" idx="0"/>
           </p:nvPr>
         </p:nvSpPr>
         <p:spPr>
           <a:xfrm>
-            <a:off x="2411760" y="2067694"/>
-            <a:ext cx="5472608" cy="542078"/>
+            <a:off x="2051720" y="2029672"/>
+            <a:ext cx="5040560" cy="542078"/>
           </a:xfrm>
         </p:spPr>
         <p:txBody>
           <a:bodyPr/>
           <a:lstStyle/>
           <a:p>
+            <a:pPr lvl="0" algn="ctr">
+              <a:defRPr/>
+            </a:pPr>
             <a:r>
-              <a:rPr lang="ko-KR" altLang="en-US" b="1" dirty="0" smtClean="0">
+              <a:rPr lang="ko-KR" altLang="en-US" b="1">
                 <a:solidFill>
                   <a:schemeClr val="tx1">
                     <a:lumMod val="75000"/>
                     <a:lumOff val="25000"/>
                   </a:schemeClr>
                 </a:solidFill>
-                <a:latin typeface="휴먼모음T" panose="02030504000101010101" pitchFamily="18" charset="-127"/>
-                <a:ea typeface="휴먼모음T" panose="02030504000101010101" pitchFamily="18" charset="-127"/>
+                <a:latin typeface="휴먼모음T"/>
+                <a:ea typeface="휴먼모음T"/>
               </a:rPr>
               <a:t>영화 포스터 이미지 인식</a:t>
             </a:r>
-            <a:endParaRPr lang="ko-KR" altLang="en-US" b="1" dirty="0">
+            <a:endParaRPr lang="ko-KR" altLang="en-US" b="1">
               <a:solidFill>
                 <a:schemeClr val="tx1">
                   <a:lumMod val="75000"/>
                   <a:lumOff val="25000"/>
                 </a:schemeClr>
               </a:solidFill>
-              <a:latin typeface="휴먼모음T" panose="02030504000101010101" pitchFamily="18" charset="-127"/>
-              <a:ea typeface="휴먼모음T" panose="02030504000101010101" pitchFamily="18" charset="-127"/>
+              <a:latin typeface="휴먼모음T"/>
+              <a:ea typeface="휴먼모음T"/>
             </a:endParaRPr>
           </a:p>
         </p:txBody>
@@ -2376,33 +1526,88 @@
           <a:bodyPr/>
           <a:lstStyle/>
           <a:p>
+            <a:pPr lvl="0">
+              <a:defRPr/>
+            </a:pPr>
             <a:r>
-              <a:rPr lang="en-US" altLang="ko-KR" b="1" dirty="0" smtClean="0">
-                <a:latin typeface="휴먼모음T" panose="02030504000101010101" pitchFamily="18" charset="-127"/>
-                <a:ea typeface="휴먼모음T" panose="02030504000101010101" pitchFamily="18" charset="-127"/>
+              <a:rPr lang="en-US" altLang="ko-KR" b="1">
+                <a:latin typeface="휴먼모음T"/>
+                <a:ea typeface="휴먼모음T"/>
               </a:rPr>
               <a:t>Google API cloud (object detection)</a:t>
             </a:r>
-            <a:endParaRPr lang="ko-KR" altLang="en-US" dirty="0">
-              <a:latin typeface="휴먼모음T" panose="02030504000101010101" pitchFamily="18" charset="-127"/>
-              <a:ea typeface="휴먼모음T" panose="02030504000101010101" pitchFamily="18" charset="-127"/>
+            <a:endParaRPr lang="ko-KR" altLang="en-US">
+              <a:latin typeface="휴먼모음T"/>
+              <a:ea typeface="휴먼모음T"/>
+            </a:endParaRPr>
+          </a:p>
+        </p:txBody>
+      </p:sp>
+      <p:sp>
+        <p:nvSpPr>
+          <p:cNvPr id="7" name=""/>
+          <p:cNvSpPr txBox="1"/>
+          <p:nvPr/>
+        </p:nvSpPr>
+        <p:spPr>
+          <a:xfrm>
+            <a:off x="0" y="4229100"/>
+            <a:ext cx="9144000" cy="914400"/>
+          </a:xfrm>
+          <a:prstGeom prst="rect">
+            <a:avLst/>
+          </a:prstGeom>
+        </p:spPr>
+        <p:txBody>
+          <a:bodyPr wrap="none"/>
+          <a:p>
+            <a:pPr algn="ctr">
+              <a:defRPr/>
+            </a:pPr>
+            <a:r>
+              <a:rPr lang="en-US" altLang="ko-KR">
+                <a:latin typeface="배달의민족 도현"/>
+                <a:ea typeface="배달의민족 도현"/>
+              </a:rPr>
+              <a:t>github : </a:t>
+            </a:r>
+            <a:r>
+              <a:rPr lang="en-US" altLang="en-US">
+                <a:solidFill>
+                  <a:srgbClr val="3057b9"/>
+                </a:solidFill>
+                <a:latin typeface="배달의민족 도현"/>
+                <a:ea typeface="배달의민족 도현"/>
+              </a:rPr>
+              <a:t>https://github.com/audwnd951/it_project</a:t>
+            </a:r>
+            <a:endParaRPr lang="en-US" altLang="en-US">
+              <a:solidFill>
+                <a:srgbClr val="3057b9"/>
+              </a:solidFill>
+              <a:latin typeface="배달의민족 도현"/>
+              <a:ea typeface="배달의민족 도현"/>
             </a:endParaRPr>
           </a:p>
         </p:txBody>
       </p:sp>
     </p:spTree>
-    <p:extLst>
-      <p:ext uri="{BB962C8B-B14F-4D97-AF65-F5344CB8AC3E}">
-        <p14:creationId xmlns:p14="http://schemas.microsoft.com/office/powerpoint/2010/main" val="3984123597"/>
-      </p:ext>
-    </p:extLst>
   </p:cSld>
   <p:clrMapOvr>
     <a:masterClrMapping/>
   </p:clrMapOvr>
-  <p:transition spd="slow">
-    <p:wipe/>
-  </p:transition>
+  <mc:AlternateContent xmlns:mc="http://schemas.openxmlformats.org/markup-compatibility/2006">
+    <mc:Choice xmlns:p14="http://schemas.microsoft.com/office/powerpoint/2010/main" Requires="p14">
+      <p:transition xmlns:mc="http://schemas.openxmlformats.org/markup-compatibility/2006" xmlns:p14="http://schemas.microsoft.com/office/powerpoint/2010/main" spd="med" mc:Ignorable="p14" p14:dur="1000">
+        <p:wipe/>
+      </p:transition>
+    </mc:Choice>
+    <mc:Fallback>
+      <p:transition xmlns:mc="http://schemas.openxmlformats.org/markup-compatibility/2006" xmlns:hp="http://schemas.haansoft.com/office/presentation/8.0" spd="med" mc:Ignorable="hp" hp:hslDur="1000">
+        <p:wipe/>
+      </p:transition>
+    </mc:Fallback>
+  </mc:AlternateContent>
   <p:timing>
     <p:tnLst>
       <p:par>
@@ -18558,269 +17763,44 @@
 </file>
 
 <file path=ppt/theme/theme1.xml><?xml version="1.0" encoding="utf-8"?>
-<a:theme xmlns:a="http://schemas.openxmlformats.org/drawingml/2006/main" name="Cover and End Slide Master">
+<a:theme xmlns:r="http://schemas.openxmlformats.org/officeDocument/2006/relationships" xmlns:c="http://schemas.openxmlformats.org/drawingml/2006/chart" xmlns:dgm="http://schemas.openxmlformats.org/drawingml/2006/diagram" xmlns:dsp="http://schemas.microsoft.com/office/drawing/2008/diagram" xmlns:a="http://schemas.openxmlformats.org/drawingml/2006/main" xmlns:pic="http://schemas.openxmlformats.org/drawingml/2006/picture" xmlns:wp="http://schemas.openxmlformats.org/drawingml/2006/wordprocessingDrawing" xmlns:xdr="http://schemas.openxmlformats.org/drawingml/2006/spreadsheetDrawing" xmlns:p="http://schemas.openxmlformats.org/presentationml/2006/main" name="Section Break Slide Master">
   <a:themeElements>
     <a:clrScheme name="ALLPPT-COLOR-A04">
       <a:dk1>
         <a:sysClr val="windowText" lastClr="000000"/>
       </a:dk1>
       <a:lt1>
-        <a:sysClr val="window" lastClr="FFFFFF"/>
+        <a:sysClr val="window" lastClr="ffffff"/>
       </a:lt1>
       <a:dk2>
-        <a:srgbClr val="1F497D"/>
+        <a:srgbClr val="1f497d"/>
       </a:dk2>
       <a:lt2>
-        <a:srgbClr val="EEECE1"/>
+        <a:srgbClr val="eeece1"/>
       </a:lt2>
       <a:accent1>
-        <a:srgbClr val="76B1D1"/>
+        <a:srgbClr val="76b1d1"/>
       </a:accent1>
       <a:accent2>
-        <a:srgbClr val="A0C358"/>
+        <a:srgbClr val="a0c358"/>
       </a:accent2>
       <a:accent3>
-        <a:srgbClr val="F3C04A"/>
+        <a:srgbClr val="f3c04a"/>
       </a:accent3>
       <a:accent4>
-        <a:srgbClr val="F26D9A"/>
+        <a:srgbClr val="f26d9a"/>
       </a:accent4>
       <a:accent5>
-        <a:srgbClr val="57687C"/>
+        <a:srgbClr val="57687c"/>
       </a:accent5>
       <a:accent6>
-        <a:srgbClr val="CBCBCB"/>
+        <a:srgbClr val="cbcbcb"/>
       </a:accent6>
       <a:hlink>
-        <a:srgbClr val="0000FF"/>
+        <a:srgbClr val="3f3f3f"/>
       </a:hlink>
       <a:folHlink>
-        <a:srgbClr val="800080"/>
-      </a:folHlink>
-    </a:clrScheme>
-    <a:fontScheme name="ALLPPT FONT">
-      <a:majorFont>
-        <a:latin typeface="Arial"/>
-        <a:ea typeface="Arial Unicode MS"/>
-        <a:cs typeface=""/>
-      </a:majorFont>
-      <a:minorFont>
-        <a:latin typeface="Arial"/>
-        <a:ea typeface="Arial Unicode MS"/>
-        <a:cs typeface=""/>
-      </a:minorFont>
-    </a:fontScheme>
-    <a:fmtScheme name="Office">
-      <a:fillStyleLst>
-        <a:solidFill>
-          <a:schemeClr val="phClr"/>
-        </a:solidFill>
-        <a:gradFill rotWithShape="1">
-          <a:gsLst>
-            <a:gs pos="0">
-              <a:schemeClr val="phClr">
-                <a:tint val="50000"/>
-                <a:satMod val="300000"/>
-              </a:schemeClr>
-            </a:gs>
-            <a:gs pos="35000">
-              <a:schemeClr val="phClr">
-                <a:tint val="37000"/>
-                <a:satMod val="300000"/>
-              </a:schemeClr>
-            </a:gs>
-            <a:gs pos="100000">
-              <a:schemeClr val="phClr">
-                <a:tint val="15000"/>
-                <a:satMod val="350000"/>
-              </a:schemeClr>
-            </a:gs>
-          </a:gsLst>
-          <a:lin ang="16200000" scaled="1"/>
-        </a:gradFill>
-        <a:gradFill rotWithShape="1">
-          <a:gsLst>
-            <a:gs pos="0">
-              <a:schemeClr val="phClr">
-                <a:shade val="51000"/>
-                <a:satMod val="130000"/>
-              </a:schemeClr>
-            </a:gs>
-            <a:gs pos="80000">
-              <a:schemeClr val="phClr">
-                <a:shade val="93000"/>
-                <a:satMod val="130000"/>
-              </a:schemeClr>
-            </a:gs>
-            <a:gs pos="100000">
-              <a:schemeClr val="phClr">
-                <a:shade val="94000"/>
-                <a:satMod val="135000"/>
-              </a:schemeClr>
-            </a:gs>
-          </a:gsLst>
-          <a:lin ang="16200000" scaled="0"/>
-        </a:gradFill>
-      </a:fillStyleLst>
-      <a:lnStyleLst>
-        <a:ln w="9525" cap="flat" cmpd="sng" algn="ctr">
-          <a:solidFill>
-            <a:schemeClr val="phClr">
-              <a:shade val="95000"/>
-              <a:satMod val="105000"/>
-            </a:schemeClr>
-          </a:solidFill>
-          <a:prstDash val="solid"/>
-        </a:ln>
-        <a:ln w="25400" cap="flat" cmpd="sng" algn="ctr">
-          <a:solidFill>
-            <a:schemeClr val="phClr"/>
-          </a:solidFill>
-          <a:prstDash val="solid"/>
-        </a:ln>
-        <a:ln w="38100" cap="flat" cmpd="sng" algn="ctr">
-          <a:solidFill>
-            <a:schemeClr val="phClr"/>
-          </a:solidFill>
-          <a:prstDash val="solid"/>
-        </a:ln>
-      </a:lnStyleLst>
-      <a:effectStyleLst>
-        <a:effectStyle>
-          <a:effectLst>
-            <a:outerShdw blurRad="40000" dist="20000" dir="5400000" rotWithShape="0">
-              <a:srgbClr val="000000">
-                <a:alpha val="38000"/>
-              </a:srgbClr>
-            </a:outerShdw>
-          </a:effectLst>
-        </a:effectStyle>
-        <a:effectStyle>
-          <a:effectLst>
-            <a:outerShdw blurRad="40000" dist="23000" dir="5400000" rotWithShape="0">
-              <a:srgbClr val="000000">
-                <a:alpha val="35000"/>
-              </a:srgbClr>
-            </a:outerShdw>
-          </a:effectLst>
-        </a:effectStyle>
-        <a:effectStyle>
-          <a:effectLst>
-            <a:outerShdw blurRad="40000" dist="23000" dir="5400000" rotWithShape="0">
-              <a:srgbClr val="000000">
-                <a:alpha val="35000"/>
-              </a:srgbClr>
-            </a:outerShdw>
-          </a:effectLst>
-          <a:scene3d>
-            <a:camera prst="orthographicFront">
-              <a:rot lat="0" lon="0" rev="0"/>
-            </a:camera>
-            <a:lightRig rig="threePt" dir="t">
-              <a:rot lat="0" lon="0" rev="1200000"/>
-            </a:lightRig>
-          </a:scene3d>
-          <a:sp3d>
-            <a:bevelT w="63500" h="25400"/>
-          </a:sp3d>
-        </a:effectStyle>
-      </a:effectStyleLst>
-      <a:bgFillStyleLst>
-        <a:solidFill>
-          <a:schemeClr val="phClr"/>
-        </a:solidFill>
-        <a:gradFill rotWithShape="1">
-          <a:gsLst>
-            <a:gs pos="0">
-              <a:schemeClr val="phClr">
-                <a:tint val="40000"/>
-                <a:satMod val="350000"/>
-              </a:schemeClr>
-            </a:gs>
-            <a:gs pos="40000">
-              <a:schemeClr val="phClr">
-                <a:tint val="45000"/>
-                <a:shade val="99000"/>
-                <a:satMod val="350000"/>
-              </a:schemeClr>
-            </a:gs>
-            <a:gs pos="100000">
-              <a:schemeClr val="phClr">
-                <a:shade val="20000"/>
-                <a:satMod val="255000"/>
-              </a:schemeClr>
-            </a:gs>
-          </a:gsLst>
-          <a:path path="circle">
-            <a:fillToRect l="50000" t="-80000" r="50000" b="180000"/>
-          </a:path>
-        </a:gradFill>
-        <a:gradFill rotWithShape="1">
-          <a:gsLst>
-            <a:gs pos="0">
-              <a:schemeClr val="phClr">
-                <a:tint val="80000"/>
-                <a:satMod val="300000"/>
-              </a:schemeClr>
-            </a:gs>
-            <a:gs pos="100000">
-              <a:schemeClr val="phClr">
-                <a:shade val="30000"/>
-                <a:satMod val="200000"/>
-              </a:schemeClr>
-            </a:gs>
-          </a:gsLst>
-          <a:path path="circle">
-            <a:fillToRect l="50000" t="50000" r="50000" b="50000"/>
-          </a:path>
-        </a:gradFill>
-      </a:bgFillStyleLst>
-    </a:fmtScheme>
-  </a:themeElements>
-  <a:objectDefaults/>
-  <a:extraClrSchemeLst/>
-</a:theme>
-</file>
-
-<file path=ppt/theme/theme2.xml><?xml version="1.0" encoding="utf-8"?>
-<a:theme xmlns:a="http://schemas.openxmlformats.org/drawingml/2006/main" name="Section Break Slide Master">
-  <a:themeElements>
-    <a:clrScheme name="ALLPPT-COLOR-A04">
-      <a:dk1>
-        <a:sysClr val="windowText" lastClr="000000"/>
-      </a:dk1>
-      <a:lt1>
-        <a:sysClr val="window" lastClr="FFFFFF"/>
-      </a:lt1>
-      <a:dk2>
-        <a:srgbClr val="1F497D"/>
-      </a:dk2>
-      <a:lt2>
-        <a:srgbClr val="EEECE1"/>
-      </a:lt2>
-      <a:accent1>
-        <a:srgbClr val="76B1D1"/>
-      </a:accent1>
-      <a:accent2>
-        <a:srgbClr val="A0C358"/>
-      </a:accent2>
-      <a:accent3>
-        <a:srgbClr val="F3C04A"/>
-      </a:accent3>
-      <a:accent4>
-        <a:srgbClr val="F26D9A"/>
-      </a:accent4>
-      <a:accent5>
-        <a:srgbClr val="57687C"/>
-      </a:accent5>
-      <a:accent6>
-        <a:srgbClr val="CBCBCB"/>
-      </a:accent6>
-      <a:hlink>
-        <a:srgbClr val="3F3F3F"/>
-      </a:hlink>
-      <a:folHlink>
-        <a:srgbClr val="3F3F3F"/>
+        <a:srgbClr val="3f3f3f"/>
       </a:folHlink>
     </a:clrScheme>
     <a:fontScheme name="ALLPPT FONT">
@@ -19032,47 +18012,70 @@
         </a:fontRef>
       </a:style>
     </a:spDef>
+    <a:lnDef>
+      <a:spPr/>
+      <a:bodyPr/>
+      <a:lstStyle/>
+      <a:style>
+        <a:lnRef idx="1">
+          <a:schemeClr val="accent1"/>
+        </a:lnRef>
+        <a:fillRef idx="0">
+          <a:schemeClr val="accent1"/>
+        </a:fillRef>
+        <a:effectRef idx="0">
+          <a:schemeClr val="accent1"/>
+        </a:effectRef>
+        <a:fontRef idx="minor">
+          <a:schemeClr val="tx1"/>
+        </a:fontRef>
+      </a:style>
+    </a:lnDef>
+    <a:txDef>
+      <a:spPr/>
+      <a:bodyPr/>
+      <a:lstStyle/>
+    </a:txDef>
   </a:objectDefaults>
-  <a:extraClrSchemeLst/>
 </a:theme>
 </file>
 
-<file path=ppt/theme/theme3.xml><?xml version="1.0" encoding="utf-8"?>
-<a:theme xmlns:a="http://schemas.openxmlformats.org/drawingml/2006/main" name="Office Theme">
+<file path=ppt/theme/theme2.xml><?xml version="1.0" encoding="utf-8"?>
+<a:theme xmlns:r="http://schemas.openxmlformats.org/officeDocument/2006/relationships" xmlns:c="http://schemas.openxmlformats.org/drawingml/2006/chart" xmlns:dgm="http://schemas.openxmlformats.org/drawingml/2006/diagram" xmlns:dsp="http://schemas.microsoft.com/office/drawing/2008/diagram" xmlns:a="http://schemas.openxmlformats.org/drawingml/2006/main" xmlns:pic="http://schemas.openxmlformats.org/drawingml/2006/picture" xmlns:wp="http://schemas.openxmlformats.org/drawingml/2006/wordprocessingDrawing" xmlns:xdr="http://schemas.openxmlformats.org/drawingml/2006/spreadsheetDrawing" xmlns:p="http://schemas.openxmlformats.org/presentationml/2006/main" name="Office Theme">
   <a:themeElements>
     <a:clrScheme name="Office">
       <a:dk1>
         <a:sysClr val="windowText" lastClr="000000"/>
       </a:dk1>
       <a:lt1>
-        <a:sysClr val="window" lastClr="FFFFFF"/>
+        <a:sysClr val="window" lastClr="ffffff"/>
       </a:lt1>
       <a:dk2>
-        <a:srgbClr val="1F497D"/>
+        <a:srgbClr val="1f497d"/>
       </a:dk2>
       <a:lt2>
-        <a:srgbClr val="EEECE1"/>
+        <a:srgbClr val="eeece1"/>
       </a:lt2>
       <a:accent1>
-        <a:srgbClr val="4F81BD"/>
+        <a:srgbClr val="4f81bd"/>
       </a:accent1>
       <a:accent2>
-        <a:srgbClr val="C0504D"/>
+        <a:srgbClr val="c0504d"/>
       </a:accent2>
       <a:accent3>
-        <a:srgbClr val="9BBB59"/>
+        <a:srgbClr val="9bbb59"/>
       </a:accent3>
       <a:accent4>
-        <a:srgbClr val="8064A2"/>
+        <a:srgbClr val="8064a2"/>
       </a:accent4>
       <a:accent5>
-        <a:srgbClr val="4BACC6"/>
+        <a:srgbClr val="4bacc6"/>
       </a:accent5>
       <a:accent6>
-        <a:srgbClr val="F79646"/>
+        <a:srgbClr val="f79646"/>
       </a:accent6>
       <a:hlink>
-        <a:srgbClr val="0000FF"/>
+        <a:srgbClr val="0000ff"/>
       </a:hlink>
       <a:folHlink>
         <a:srgbClr val="800080"/>
@@ -19083,10 +18086,10 @@
         <a:latin typeface="맑은 고딕"/>
         <a:ea typeface=""/>
         <a:cs typeface=""/>
-        <a:font script="Jpan" typeface="ＭＳ Ｐゴシック"/>
+        <a:font script="Jpan" typeface="MS PGothic"/>
         <a:font script="Hang" typeface="맑은 고딕"/>
-        <a:font script="Hans" typeface="宋体"/>
-        <a:font script="Hant" typeface="新細明體"/>
+        <a:font script="Hans" typeface="SimSun"/>
+        <a:font script="Hant" typeface="PMingLiU"/>
         <a:font script="Arab" typeface="Times New Roman"/>
         <a:font script="Hebr" typeface="Times New Roman"/>
         <a:font script="Thai" typeface="Angsana New"/>
@@ -19118,10 +18121,10 @@
         <a:latin typeface="맑은 고딕"/>
         <a:ea typeface=""/>
         <a:cs typeface=""/>
-        <a:font script="Jpan" typeface="ＭＳ Ｐゴシック"/>
+        <a:font script="Jpan" typeface="MS PGothic"/>
         <a:font script="Hang" typeface="맑은 고딕"/>
-        <a:font script="Hans" typeface="宋体"/>
-        <a:font script="Hant" typeface="新細明體"/>
+        <a:font script="Hans" typeface="SimSun"/>
+        <a:font script="Hant" typeface="PMingLiU"/>
         <a:font script="Arab" typeface="Arial"/>
         <a:font script="Hebr" typeface="Arial"/>
         <a:font script="Thai" typeface="Cordia New"/>
@@ -19317,47 +18320,45 @@
       </a:bgFillStyleLst>
     </a:fmtScheme>
   </a:themeElements>
-  <a:objectDefaults/>
-  <a:extraClrSchemeLst/>
 </a:theme>
 </file>
 
-<file path=ppt/theme/theme4.xml><?xml version="1.0" encoding="utf-8"?>
-<a:theme xmlns:a="http://schemas.openxmlformats.org/drawingml/2006/main" name="Office Theme">
+<file path=ppt/theme/theme3.xml><?xml version="1.0" encoding="utf-8"?>
+<a:theme xmlns:r="http://schemas.openxmlformats.org/officeDocument/2006/relationships" xmlns:c="http://schemas.openxmlformats.org/drawingml/2006/chart" xmlns:dgm="http://schemas.openxmlformats.org/drawingml/2006/diagram" xmlns:dsp="http://schemas.microsoft.com/office/drawing/2008/diagram" xmlns:a="http://schemas.openxmlformats.org/drawingml/2006/main" xmlns:pic="http://schemas.openxmlformats.org/drawingml/2006/picture" xmlns:wp="http://schemas.openxmlformats.org/drawingml/2006/wordprocessingDrawing" xmlns:xdr="http://schemas.openxmlformats.org/drawingml/2006/spreadsheetDrawing" xmlns:p="http://schemas.openxmlformats.org/presentationml/2006/main" name="Office Theme">
   <a:themeElements>
     <a:clrScheme name="Office">
       <a:dk1>
         <a:sysClr val="windowText" lastClr="000000"/>
       </a:dk1>
       <a:lt1>
-        <a:sysClr val="window" lastClr="FFFFFF"/>
+        <a:sysClr val="window" lastClr="ffffff"/>
       </a:lt1>
       <a:dk2>
-        <a:srgbClr val="1F497D"/>
+        <a:srgbClr val="1f497d"/>
       </a:dk2>
       <a:lt2>
-        <a:srgbClr val="EEECE1"/>
+        <a:srgbClr val="eeece1"/>
       </a:lt2>
       <a:accent1>
-        <a:srgbClr val="4F81BD"/>
+        <a:srgbClr val="4f81bd"/>
       </a:accent1>
       <a:accent2>
-        <a:srgbClr val="C0504D"/>
+        <a:srgbClr val="c0504d"/>
       </a:accent2>
       <a:accent3>
-        <a:srgbClr val="9BBB59"/>
+        <a:srgbClr val="9bbb59"/>
       </a:accent3>
       <a:accent4>
-        <a:srgbClr val="8064A2"/>
+        <a:srgbClr val="8064a2"/>
       </a:accent4>
       <a:accent5>
-        <a:srgbClr val="4BACC6"/>
+        <a:srgbClr val="4bacc6"/>
       </a:accent5>
       <a:accent6>
-        <a:srgbClr val="F79646"/>
+        <a:srgbClr val="f79646"/>
       </a:accent6>
       <a:hlink>
-        <a:srgbClr val="0000FF"/>
+        <a:srgbClr val="0000ff"/>
       </a:hlink>
       <a:folHlink>
         <a:srgbClr val="800080"/>
@@ -19368,10 +18369,10 @@
         <a:latin typeface="맑은 고딕"/>
         <a:ea typeface=""/>
         <a:cs typeface=""/>
-        <a:font script="Jpan" typeface="ＭＳ Ｐゴシック"/>
+        <a:font script="Jpan" typeface="MS PGothic"/>
         <a:font script="Hang" typeface="맑은 고딕"/>
-        <a:font script="Hans" typeface="宋体"/>
-        <a:font script="Hant" typeface="新細明體"/>
+        <a:font script="Hans" typeface="SimSun"/>
+        <a:font script="Hant" typeface="PMingLiU"/>
         <a:font script="Arab" typeface="Times New Roman"/>
         <a:font script="Hebr" typeface="Times New Roman"/>
         <a:font script="Thai" typeface="Angsana New"/>
@@ -19403,10 +18404,10 @@
         <a:latin typeface="맑은 고딕"/>
         <a:ea typeface=""/>
         <a:cs typeface=""/>
-        <a:font script="Jpan" typeface="ＭＳ Ｐゴシック"/>
+        <a:font script="Jpan" typeface="MS PGothic"/>
         <a:font script="Hang" typeface="맑은 고딕"/>
-        <a:font script="Hans" typeface="宋体"/>
-        <a:font script="Hant" typeface="新細明體"/>
+        <a:font script="Hans" typeface="SimSun"/>
+        <a:font script="Hant" typeface="PMingLiU"/>
         <a:font script="Arab" typeface="Arial"/>
         <a:font script="Hebr" typeface="Arial"/>
         <a:font script="Thai" typeface="Cordia New"/>
@@ -19602,7 +18603,5 @@
       </a:bgFillStyleLst>
     </a:fmtScheme>
   </a:themeElements>
-  <a:objectDefaults/>
-  <a:extraClrSchemeLst/>
 </a:theme>
 </file>